--- a/9VirtualFunctions.pptx
+++ b/9VirtualFunctions.pptx
@@ -3760,7 +3760,7 @@
           <a:graphicData uri="http://schemas.openxmlformats.org/presentationml/2006/ole">
             <mc:AlternateContent xmlns:mc="http://schemas.openxmlformats.org/markup-compatibility/2006">
               <mc:Choice xmlns:v="urn:schemas-microsoft-com:vml" Requires="v">
-                <p:oleObj spid="_x0000_s2055" name="Packager Shell Object" showAsIcon="1" r:id="rId5" imgW="1119240" imgH="440280" progId="Package">
+                <p:oleObj spid="_x0000_s2056" name="Packager Shell Object" showAsIcon="1" r:id="rId5" imgW="1119240" imgH="440280" progId="Package">
                   <p:embed/>
                 </p:oleObj>
               </mc:Choice>
@@ -3961,7 +3961,7 @@
         <p:spPr/>
         <p:txBody>
           <a:bodyPr>
-            <a:normAutofit fontScale="92500" lnSpcReduction="20000"/>
+            <a:normAutofit fontScale="77500" lnSpcReduction="20000"/>
           </a:bodyPr>
           <a:lstStyle/>
           <a:p>
@@ -3987,8 +3987,29 @@
             </a:r>
             <a:r>
               <a:rPr lang="en-US" dirty="0" smtClean="0"/>
-              <a:t>allows the derived class to redefine the function from base class</a:t>
-            </a:r>
+              <a:t>allows the derived class to redefine the function from base </a:t>
+            </a:r>
+            <a:r>
+              <a:rPr lang="en-US" dirty="0" smtClean="0"/>
+              <a:t>class. So function of derived class is called. This is called </a:t>
+            </a:r>
+            <a:r>
+              <a:rPr lang="en-US" b="1" dirty="0" smtClean="0"/>
+              <a:t>late binding</a:t>
+            </a:r>
+            <a:r>
+              <a:rPr lang="en-US" dirty="0" smtClean="0"/>
+              <a:t> because it is </a:t>
+            </a:r>
+            <a:r>
+              <a:rPr lang="en-US" dirty="0" err="1" smtClean="0"/>
+              <a:t>binded</a:t>
+            </a:r>
+            <a:r>
+              <a:rPr lang="en-US" dirty="0" smtClean="0"/>
+              <a:t> during runtime.</a:t>
+            </a:r>
+            <a:endParaRPr lang="en-US" dirty="0" smtClean="0"/>
           </a:p>
           <a:p>
             <a:pPr algn="just"/>
@@ -3998,7 +4019,27 @@
             <a:pPr algn="just"/>
             <a:r>
               <a:rPr lang="en-US" dirty="0" smtClean="0"/>
-              <a:t>Hello came from base class. Because Hello from the base class is not allowed to redefine in the derived class. Hence no virtual keyword is used before.</a:t>
+              <a:t>Hello came from base class. Because Hello from the base class is not allowed to redefine in the derived class. Hence no virtual keyword is used before</a:t>
+            </a:r>
+            <a:r>
+              <a:rPr lang="en-US" dirty="0" smtClean="0"/>
+              <a:t>. So function of base class is called. This is called </a:t>
+            </a:r>
+            <a:r>
+              <a:rPr lang="en-US" b="1" dirty="0" smtClean="0"/>
+              <a:t>early binding</a:t>
+            </a:r>
+            <a:r>
+              <a:rPr lang="en-US" dirty="0" smtClean="0"/>
+              <a:t> because it is </a:t>
+            </a:r>
+            <a:r>
+              <a:rPr lang="en-US" dirty="0" err="1" smtClean="0"/>
+              <a:t>binded</a:t>
+            </a:r>
+            <a:r>
+              <a:rPr lang="en-US" dirty="0" smtClean="0"/>
+              <a:t> during compile time.</a:t>
             </a:r>
             <a:endParaRPr lang="en-US" dirty="0"/>
           </a:p>
